--- a/docs/slides/14-Breakout-Extra.pptx
+++ b/docs/slides/14-Breakout-Extra.pptx
@@ -2800,7 +2800,7 @@
               </a14:hiddenEffects>
             </a:ext>
             <a:ext uri="{FAA26D3D-D897-4be2-8F04-BA451C77F1D7}">
-              <ma14:placeholderFlag xmlns:ma14="http://schemas.microsoft.com/office/mac/drawingml/2011/main" xmlns="" val="1"/>
+              <ma14:placeholderFlag xmlns="" xmlns:ma14="http://schemas.microsoft.com/office/mac/drawingml/2011/main" val="1"/>
             </a:ext>
           </a:extLst>
         </p:spPr>
@@ -3027,7 +3027,7 @@
               </a14:hiddenEffects>
             </a:ext>
             <a:ext uri="{FAA26D3D-D897-4be2-8F04-BA451C77F1D7}">
-              <ma14:placeholderFlag xmlns:ma14="http://schemas.microsoft.com/office/mac/drawingml/2011/main" xmlns="" val="1"/>
+              <ma14:placeholderFlag xmlns="" xmlns:ma14="http://schemas.microsoft.com/office/mac/drawingml/2011/main" val="1"/>
             </a:ext>
           </a:extLst>
         </p:spPr>
@@ -4100,7 +4100,7 @@
               </a14:hiddenEffects>
             </a:ext>
             <a:ext uri="{FAA26D3D-D897-4be2-8F04-BA451C77F1D7}">
-              <ma14:placeholderFlag xmlns:ma14="http://schemas.microsoft.com/office/mac/drawingml/2011/main" xmlns="" val="1"/>
+              <ma14:placeholderFlag xmlns="" xmlns:ma14="http://schemas.microsoft.com/office/mac/drawingml/2011/main" val="1"/>
             </a:ext>
           </a:extLst>
         </p:spPr>
@@ -4562,7 +4562,7 @@
               </a14:hiddenEffects>
             </a:ext>
             <a:ext uri="{FAA26D3D-D897-4be2-8F04-BA451C77F1D7}">
-              <ma14:placeholderFlag xmlns:ma14="http://schemas.microsoft.com/office/mac/drawingml/2011/main" xmlns="" val="1"/>
+              <ma14:placeholderFlag xmlns="" xmlns:ma14="http://schemas.microsoft.com/office/mac/drawingml/2011/main" val="1"/>
             </a:ext>
           </a:extLst>
         </p:spPr>
@@ -4926,7 +4926,7 @@
               </a14:hiddenEffects>
             </a:ext>
             <a:ext uri="{FAA26D3D-D897-4be2-8F04-BA451C77F1D7}">
-              <ma14:placeholderFlag xmlns:ma14="http://schemas.microsoft.com/office/mac/drawingml/2011/main" xmlns="" val="1"/>
+              <ma14:placeholderFlag xmlns="" xmlns:ma14="http://schemas.microsoft.com/office/mac/drawingml/2011/main" val="1"/>
             </a:ext>
           </a:extLst>
         </p:spPr>
@@ -5347,7 +5347,7 @@
               </a14:hiddenEffects>
             </a:ext>
             <a:ext uri="{FAA26D3D-D897-4be2-8F04-BA451C77F1D7}">
-              <ma14:placeholderFlag xmlns:ma14="http://schemas.microsoft.com/office/mac/drawingml/2011/main" xmlns="" val="1"/>
+              <ma14:placeholderFlag xmlns="" xmlns:ma14="http://schemas.microsoft.com/office/mac/drawingml/2011/main" val="1"/>
             </a:ext>
           </a:extLst>
         </p:spPr>
@@ -5788,7 +5788,7 @@
               </a14:hiddenEffects>
             </a:ext>
             <a:ext uri="{FAA26D3D-D897-4be2-8F04-BA451C77F1D7}">
-              <ma14:placeholderFlag xmlns:ma14="http://schemas.microsoft.com/office/mac/drawingml/2011/main" xmlns="" val="1"/>
+              <ma14:placeholderFlag xmlns="" xmlns:ma14="http://schemas.microsoft.com/office/mac/drawingml/2011/main" val="1"/>
             </a:ext>
           </a:extLst>
         </p:spPr>
@@ -6401,7 +6401,7 @@
               </a14:hiddenEffects>
             </a:ext>
             <a:ext uri="{FAA26D3D-D897-4be2-8F04-BA451C77F1D7}">
-              <ma14:placeholderFlag xmlns:ma14="http://schemas.microsoft.com/office/mac/drawingml/2011/main" xmlns="" val="1"/>
+              <ma14:placeholderFlag xmlns="" xmlns:ma14="http://schemas.microsoft.com/office/mac/drawingml/2011/main" val="1"/>
             </a:ext>
           </a:extLst>
         </p:spPr>
@@ -7202,7 +7202,7 @@
               </a14:hiddenEffects>
             </a:ext>
             <a:ext uri="{FAA26D3D-D897-4be2-8F04-BA451C77F1D7}">
-              <ma14:placeholderFlag xmlns:ma14="http://schemas.microsoft.com/office/mac/drawingml/2011/main" xmlns="" val="1"/>
+              <ma14:placeholderFlag xmlns="" xmlns:ma14="http://schemas.microsoft.com/office/mac/drawingml/2011/main" val="1"/>
             </a:ext>
           </a:extLst>
         </p:spPr>
@@ -7645,7 +7645,7 @@
               </a14:hiddenEffects>
             </a:ext>
             <a:ext uri="{FAA26D3D-D897-4be2-8F04-BA451C77F1D7}">
-              <ma14:placeholderFlag xmlns:ma14="http://schemas.microsoft.com/office/mac/drawingml/2011/main" xmlns="" val="1"/>
+              <ma14:placeholderFlag xmlns="" xmlns:ma14="http://schemas.microsoft.com/office/mac/drawingml/2011/main" val="1"/>
             </a:ext>
           </a:extLst>
         </p:spPr>
@@ -8311,7 +8311,7 @@
               </a14:hiddenEffects>
             </a:ext>
             <a:ext uri="{FAA26D3D-D897-4be2-8F04-BA451C77F1D7}">
-              <ma14:placeholderFlag xmlns:ma14="http://schemas.microsoft.com/office/mac/drawingml/2011/main" xmlns="" val="1"/>
+              <ma14:placeholderFlag xmlns="" xmlns:ma14="http://schemas.microsoft.com/office/mac/drawingml/2011/main" val="1"/>
             </a:ext>
           </a:extLst>
         </p:spPr>
@@ -9036,7 +9036,11 @@
           <a:bodyPr/>
           <a:lstStyle/>
           <a:p>
-            <a:endParaRPr lang="en-US"/>
+            <a:pPr algn="ctr"/>
+            <a:r>
+              <a:rPr lang="en-US" dirty="0"/>
+              <a:t>Post in the chat or unmute yourself for questions or comments!</a:t>
+            </a:r>
           </a:p>
         </p:txBody>
       </p:sp>
